--- a/slide/ppt/WhyMapping.pptx
+++ b/slide/ppt/WhyMapping.pptx
@@ -7,14 +7,14 @@
   <p:sldIdLst>
     <p:sldId id="256" r:id="rId2"/>
     <p:sldId id="258" r:id="rId3"/>
-    <p:sldId id="259" r:id="rId4"/>
-    <p:sldId id="257" r:id="rId5"/>
-    <p:sldId id="260" r:id="rId6"/>
-    <p:sldId id="265" r:id="rId7"/>
+    <p:sldId id="260" r:id="rId4"/>
+    <p:sldId id="265" r:id="rId5"/>
+    <p:sldId id="259" r:id="rId6"/>
+    <p:sldId id="266" r:id="rId7"/>
     <p:sldId id="262" r:id="rId8"/>
-    <p:sldId id="266" r:id="rId9"/>
-    <p:sldId id="263" r:id="rId10"/>
-    <p:sldId id="264" r:id="rId11"/>
+    <p:sldId id="263" r:id="rId9"/>
+    <p:sldId id="264" r:id="rId10"/>
+    <p:sldId id="257" r:id="rId11"/>
     <p:sldId id="261" r:id="rId12"/>
   </p:sldIdLst>
   <p:sldSz cx="9144000" cy="6858000" type="screen4x3"/>
@@ -298,6 +298,7 @@
           <a:p>
             <a:fld id="{33C8A92C-D0ED-457D-A27D-9D4097CE7452}" type="datetimeFigureOut">
               <a:rPr lang="en-US" smtClean="0"/>
+              <a:pPr/>
               <a:t>27-Jun-16</a:t>
             </a:fld>
             <a:endParaRPr lang="en-US"/>
@@ -340,6 +341,7 @@
           <a:p>
             <a:fld id="{E7B40222-D06A-48EF-A685-C7C380A78EEE}" type="slidenum">
               <a:rPr lang="en-US" smtClean="0"/>
+              <a:pPr/>
               <a:t>‹#›</a:t>
             </a:fld>
             <a:endParaRPr lang="en-US"/>
@@ -463,6 +465,7 @@
           <a:p>
             <a:fld id="{33C8A92C-D0ED-457D-A27D-9D4097CE7452}" type="datetimeFigureOut">
               <a:rPr lang="en-US" smtClean="0"/>
+              <a:pPr/>
               <a:t>27-Jun-16</a:t>
             </a:fld>
             <a:endParaRPr lang="en-US"/>
@@ -505,6 +508,7 @@
           <a:p>
             <a:fld id="{E7B40222-D06A-48EF-A685-C7C380A78EEE}" type="slidenum">
               <a:rPr lang="en-US" smtClean="0"/>
+              <a:pPr/>
               <a:t>‹#›</a:t>
             </a:fld>
             <a:endParaRPr lang="en-US"/>
@@ -638,6 +642,7 @@
           <a:p>
             <a:fld id="{33C8A92C-D0ED-457D-A27D-9D4097CE7452}" type="datetimeFigureOut">
               <a:rPr lang="en-US" smtClean="0"/>
+              <a:pPr/>
               <a:t>27-Jun-16</a:t>
             </a:fld>
             <a:endParaRPr lang="en-US"/>
@@ -680,6 +685,7 @@
           <a:p>
             <a:fld id="{E7B40222-D06A-48EF-A685-C7C380A78EEE}" type="slidenum">
               <a:rPr lang="en-US" smtClean="0"/>
+              <a:pPr/>
               <a:t>‹#›</a:t>
             </a:fld>
             <a:endParaRPr lang="en-US"/>
@@ -803,6 +809,7 @@
           <a:p>
             <a:fld id="{33C8A92C-D0ED-457D-A27D-9D4097CE7452}" type="datetimeFigureOut">
               <a:rPr lang="en-US" smtClean="0"/>
+              <a:pPr/>
               <a:t>27-Jun-16</a:t>
             </a:fld>
             <a:endParaRPr lang="en-US"/>
@@ -845,6 +852,7 @@
           <a:p>
             <a:fld id="{E7B40222-D06A-48EF-A685-C7C380A78EEE}" type="slidenum">
               <a:rPr lang="en-US" smtClean="0"/>
+              <a:pPr/>
               <a:t>‹#›</a:t>
             </a:fld>
             <a:endParaRPr lang="en-US"/>
@@ -1044,6 +1052,7 @@
           <a:p>
             <a:fld id="{33C8A92C-D0ED-457D-A27D-9D4097CE7452}" type="datetimeFigureOut">
               <a:rPr lang="en-US" smtClean="0"/>
+              <a:pPr/>
               <a:t>27-Jun-16</a:t>
             </a:fld>
             <a:endParaRPr lang="en-US"/>
@@ -1086,6 +1095,7 @@
           <a:p>
             <a:fld id="{E7B40222-D06A-48EF-A685-C7C380A78EEE}" type="slidenum">
               <a:rPr lang="en-US" smtClean="0"/>
+              <a:pPr/>
               <a:t>‹#›</a:t>
             </a:fld>
             <a:endParaRPr lang="en-US"/>
@@ -1327,6 +1337,7 @@
           <a:p>
             <a:fld id="{33C8A92C-D0ED-457D-A27D-9D4097CE7452}" type="datetimeFigureOut">
               <a:rPr lang="en-US" smtClean="0"/>
+              <a:pPr/>
               <a:t>27-Jun-16</a:t>
             </a:fld>
             <a:endParaRPr lang="en-US"/>
@@ -1369,6 +1380,7 @@
           <a:p>
             <a:fld id="{E7B40222-D06A-48EF-A685-C7C380A78EEE}" type="slidenum">
               <a:rPr lang="en-US" smtClean="0"/>
+              <a:pPr/>
               <a:t>‹#›</a:t>
             </a:fld>
             <a:endParaRPr lang="en-US"/>
@@ -1744,6 +1756,7 @@
           <a:p>
             <a:fld id="{33C8A92C-D0ED-457D-A27D-9D4097CE7452}" type="datetimeFigureOut">
               <a:rPr lang="en-US" smtClean="0"/>
+              <a:pPr/>
               <a:t>27-Jun-16</a:t>
             </a:fld>
             <a:endParaRPr lang="en-US"/>
@@ -1786,6 +1799,7 @@
           <a:p>
             <a:fld id="{E7B40222-D06A-48EF-A685-C7C380A78EEE}" type="slidenum">
               <a:rPr lang="en-US" smtClean="0"/>
+              <a:pPr/>
               <a:t>‹#›</a:t>
             </a:fld>
             <a:endParaRPr lang="en-US"/>
@@ -1857,6 +1871,7 @@
           <a:p>
             <a:fld id="{33C8A92C-D0ED-457D-A27D-9D4097CE7452}" type="datetimeFigureOut">
               <a:rPr lang="en-US" smtClean="0"/>
+              <a:pPr/>
               <a:t>27-Jun-16</a:t>
             </a:fld>
             <a:endParaRPr lang="en-US"/>
@@ -1899,6 +1914,7 @@
           <a:p>
             <a:fld id="{E7B40222-D06A-48EF-A685-C7C380A78EEE}" type="slidenum">
               <a:rPr lang="en-US" smtClean="0"/>
+              <a:pPr/>
               <a:t>‹#›</a:t>
             </a:fld>
             <a:endParaRPr lang="en-US"/>
@@ -1947,6 +1963,7 @@
           <a:p>
             <a:fld id="{33C8A92C-D0ED-457D-A27D-9D4097CE7452}" type="datetimeFigureOut">
               <a:rPr lang="en-US" smtClean="0"/>
+              <a:pPr/>
               <a:t>27-Jun-16</a:t>
             </a:fld>
             <a:endParaRPr lang="en-US"/>
@@ -1989,6 +2006,7 @@
           <a:p>
             <a:fld id="{E7B40222-D06A-48EF-A685-C7C380A78EEE}" type="slidenum">
               <a:rPr lang="en-US" smtClean="0"/>
+              <a:pPr/>
               <a:t>‹#›</a:t>
             </a:fld>
             <a:endParaRPr lang="en-US"/>
@@ -2219,6 +2237,7 @@
           <a:p>
             <a:fld id="{33C8A92C-D0ED-457D-A27D-9D4097CE7452}" type="datetimeFigureOut">
               <a:rPr lang="en-US" smtClean="0"/>
+              <a:pPr/>
               <a:t>27-Jun-16</a:t>
             </a:fld>
             <a:endParaRPr lang="en-US"/>
@@ -2261,6 +2280,7 @@
           <a:p>
             <a:fld id="{E7B40222-D06A-48EF-A685-C7C380A78EEE}" type="slidenum">
               <a:rPr lang="en-US" smtClean="0"/>
+              <a:pPr/>
               <a:t>‹#›</a:t>
             </a:fld>
             <a:endParaRPr lang="en-US"/>
@@ -2467,6 +2487,7 @@
           <a:p>
             <a:fld id="{33C8A92C-D0ED-457D-A27D-9D4097CE7452}" type="datetimeFigureOut">
               <a:rPr lang="en-US" smtClean="0"/>
+              <a:pPr/>
               <a:t>27-Jun-16</a:t>
             </a:fld>
             <a:endParaRPr lang="en-US"/>
@@ -2509,6 +2530,7 @@
           <a:p>
             <a:fld id="{E7B40222-D06A-48EF-A685-C7C380A78EEE}" type="slidenum">
               <a:rPr lang="en-US" smtClean="0"/>
+              <a:pPr/>
               <a:t>‹#›</a:t>
             </a:fld>
             <a:endParaRPr lang="en-US"/>
@@ -2675,6 +2697,7 @@
           <a:p>
             <a:fld id="{33C8A92C-D0ED-457D-A27D-9D4097CE7452}" type="datetimeFigureOut">
               <a:rPr lang="en-US" smtClean="0"/>
+              <a:pPr/>
               <a:t>27-Jun-16</a:t>
             </a:fld>
             <a:endParaRPr lang="en-US"/>
@@ -2753,6 +2776,7 @@
           <a:p>
             <a:fld id="{E7B40222-D06A-48EF-A685-C7C380A78EEE}" type="slidenum">
               <a:rPr lang="en-US" smtClean="0"/>
+              <a:pPr/>
               <a:t>‹#›</a:t>
             </a:fld>
             <a:endParaRPr lang="en-US"/>
@@ -3061,10 +3085,38 @@
           <a:lstStyle/>
           <a:p>
             <a:r>
-              <a:rPr lang="en-US" dirty="0" smtClean="0"/>
-              <a:t>Who are you?</a:t>
-            </a:r>
-            <a:endParaRPr lang="en-US" dirty="0"/>
+              <a:rPr lang="en-US" dirty="0" smtClean="0">
+                <a:solidFill>
+                  <a:srgbClr val="C00000"/>
+                </a:solidFill>
+                <a:latin typeface="Segoe Marker" pitchFamily="66" charset="0"/>
+              </a:rPr>
+              <a:t>Where </a:t>
+            </a:r>
+            <a:r>
+              <a:rPr lang="en-US" dirty="0" smtClean="0">
+                <a:solidFill>
+                  <a:srgbClr val="C00000"/>
+                </a:solidFill>
+                <a:latin typeface="Segoe Marker" pitchFamily="66" charset="0"/>
+              </a:rPr>
+              <a:t>are </a:t>
+            </a:r>
+            <a:r>
+              <a:rPr lang="en-US" dirty="0" smtClean="0">
+                <a:solidFill>
+                  <a:srgbClr val="C00000"/>
+                </a:solidFill>
+                <a:latin typeface="Segoe Marker" pitchFamily="66" charset="0"/>
+              </a:rPr>
+              <a:t>you now?</a:t>
+            </a:r>
+            <a:endParaRPr lang="en-US" dirty="0">
+              <a:solidFill>
+                <a:srgbClr val="C00000"/>
+              </a:solidFill>
+              <a:latin typeface="Segoe Marker" pitchFamily="66" charset="0"/>
+            </a:endParaRPr>
           </a:p>
         </p:txBody>
       </p:sp>
@@ -3132,16 +3184,53 @@
           <a:lstStyle/>
           <a:p>
             <a:r>
-              <a:rPr lang="en-US" dirty="0" smtClean="0"/>
-              <a:t>So from where are you now..</a:t>
-            </a:r>
-            <a:endParaRPr lang="en-US" dirty="0"/>
+              <a:rPr lang="en-US" dirty="0" smtClean="0">
+                <a:solidFill>
+                  <a:srgbClr val="C00000"/>
+                </a:solidFill>
+                <a:latin typeface="Segoe Marker" pitchFamily="66" charset="0"/>
+              </a:rPr>
+              <a:t>Even if</a:t>
+            </a:r>
+            <a:r>
+              <a:rPr lang="en-US" dirty="0" smtClean="0">
+                <a:solidFill>
+                  <a:srgbClr val="C00000"/>
+                </a:solidFill>
+                <a:latin typeface="Segoe Marker" pitchFamily="66" charset="0"/>
+              </a:rPr>
+              <a:t> </a:t>
+            </a:r>
+            <a:r>
+              <a:rPr lang="en-US" dirty="0" smtClean="0">
+                <a:solidFill>
+                  <a:srgbClr val="C00000"/>
+                </a:solidFill>
+                <a:latin typeface="Segoe Marker" pitchFamily="66" charset="0"/>
+              </a:rPr>
+              <a:t>you </a:t>
+            </a:r>
+            <a:r>
+              <a:rPr lang="en-US" dirty="0" smtClean="0">
+                <a:solidFill>
+                  <a:srgbClr val="C00000"/>
+                </a:solidFill>
+                <a:latin typeface="Segoe Marker" pitchFamily="66" charset="0"/>
+              </a:rPr>
+              <a:t>don’t care..</a:t>
+            </a:r>
+            <a:endParaRPr lang="en-US" dirty="0">
+              <a:solidFill>
+                <a:srgbClr val="C00000"/>
+              </a:solidFill>
+              <a:latin typeface="Segoe Marker" pitchFamily="66" charset="0"/>
+            </a:endParaRPr>
           </a:p>
         </p:txBody>
       </p:sp>
       <p:pic>
         <p:nvPicPr>
-          <p:cNvPr id="6" name="Content Placeholder 5" descr="individual_9.jpg"/>
+          <p:cNvPr id="6" name="Content Placeholder 5" descr="individual_2.jpg"/>
           <p:cNvPicPr>
             <a:picLocks noGrp="1"/>
           </p:cNvPicPr>
@@ -3158,7 +3247,7 @@
         <p:spPr>
           <a:xfrm>
             <a:off x="502920" y="1600200"/>
-            <a:ext cx="8138160" cy="4525963"/>
+            <a:ext cx="8138160" cy="4526280"/>
           </a:xfrm>
         </p:spPr>
       </p:pic>
@@ -3203,10 +3292,47 @@
           <a:lstStyle/>
           <a:p>
             <a:r>
-              <a:rPr lang="en-US" dirty="0" smtClean="0"/>
-              <a:t>You can say: That is my way..</a:t>
-            </a:r>
-            <a:endParaRPr lang="en-US" dirty="0"/>
+              <a:rPr lang="en-US" dirty="0" smtClean="0">
+                <a:solidFill>
+                  <a:srgbClr val="C00000"/>
+                </a:solidFill>
+                <a:latin typeface="Segoe Marker" pitchFamily="66" charset="0"/>
+              </a:rPr>
+              <a:t>You can </a:t>
+            </a:r>
+            <a:r>
+              <a:rPr lang="en-US" dirty="0" smtClean="0">
+                <a:solidFill>
+                  <a:srgbClr val="C00000"/>
+                </a:solidFill>
+                <a:latin typeface="Segoe Marker" pitchFamily="66" charset="0"/>
+              </a:rPr>
+              <a:t>say: “This </a:t>
+            </a:r>
+            <a:r>
+              <a:rPr lang="en-US" dirty="0" smtClean="0">
+                <a:solidFill>
+                  <a:srgbClr val="C00000"/>
+                </a:solidFill>
+                <a:latin typeface="Segoe Marker" pitchFamily="66" charset="0"/>
+              </a:rPr>
+              <a:t>is my way</a:t>
+            </a:r>
+            <a:r>
+              <a:rPr lang="en-US" dirty="0" smtClean="0">
+                <a:solidFill>
+                  <a:srgbClr val="C00000"/>
+                </a:solidFill>
+                <a:latin typeface="Segoe Marker" pitchFamily="66" charset="0"/>
+              </a:rPr>
+              <a:t>..”</a:t>
+            </a:r>
+            <a:endParaRPr lang="en-US" dirty="0">
+              <a:solidFill>
+                <a:srgbClr val="C00000"/>
+              </a:solidFill>
+              <a:latin typeface="Segoe Marker" pitchFamily="66" charset="0"/>
+            </a:endParaRPr>
           </a:p>
         </p:txBody>
       </p:sp>
@@ -3274,10 +3400,20 @@
           <a:lstStyle/>
           <a:p>
             <a:r>
-              <a:rPr lang="en-US" dirty="0" smtClean="0"/>
+              <a:rPr lang="en-US" dirty="0" smtClean="0">
+                <a:solidFill>
+                  <a:srgbClr val="C00000"/>
+                </a:solidFill>
+                <a:latin typeface="Segoe Marker" pitchFamily="66" charset="0"/>
+              </a:rPr>
               <a:t>Are you in the circle?</a:t>
             </a:r>
-            <a:endParaRPr lang="en-US" dirty="0"/>
+            <a:endParaRPr lang="en-US" dirty="0">
+              <a:solidFill>
+                <a:srgbClr val="C00000"/>
+              </a:solidFill>
+              <a:latin typeface="Segoe Marker" pitchFamily="66" charset="0"/>
+            </a:endParaRPr>
           </a:p>
         </p:txBody>
       </p:sp>
@@ -3341,20 +3477,41 @@
         </p:nvSpPr>
         <p:spPr/>
         <p:txBody>
-          <a:bodyPr/>
-          <a:lstStyle/>
-          <a:p>
-            <a:r>
-              <a:rPr lang="en-US" dirty="0" smtClean="0"/>
-              <a:t>Might be you running?</a:t>
-            </a:r>
-            <a:endParaRPr lang="en-US" dirty="0"/>
+          <a:bodyPr>
+            <a:normAutofit/>
+          </a:bodyPr>
+          <a:lstStyle/>
+          <a:p>
+            <a:r>
+              <a:rPr lang="en-US" dirty="0" smtClean="0">
+                <a:solidFill>
+                  <a:srgbClr val="C00000"/>
+                </a:solidFill>
+                <a:latin typeface="Segoe Marker" pitchFamily="66" charset="0"/>
+              </a:rPr>
+              <a:t>Or you are already on </a:t>
+            </a:r>
+            <a:r>
+              <a:rPr lang="en-US" dirty="0" smtClean="0">
+                <a:solidFill>
+                  <a:srgbClr val="C00000"/>
+                </a:solidFill>
+                <a:latin typeface="Segoe Marker" pitchFamily="66" charset="0"/>
+              </a:rPr>
+              <a:t>the top..</a:t>
+            </a:r>
+            <a:endParaRPr lang="en-US" dirty="0">
+              <a:solidFill>
+                <a:srgbClr val="C00000"/>
+              </a:solidFill>
+              <a:latin typeface="Segoe Marker" pitchFamily="66" charset="0"/>
+            </a:endParaRPr>
           </a:p>
         </p:txBody>
       </p:sp>
       <p:pic>
         <p:nvPicPr>
-          <p:cNvPr id="6" name="Content Placeholder 5" descr="individual_3.jpg"/>
+          <p:cNvPr id="7" name="Content Placeholder 6" descr="individual_5.jpg"/>
           <p:cNvPicPr>
             <a:picLocks noGrp="1"/>
           </p:cNvPicPr>
@@ -3416,16 +3573,35 @@
           <a:lstStyle/>
           <a:p>
             <a:r>
-              <a:rPr lang="en-US" dirty="0" smtClean="0"/>
-              <a:t>Or you being alone..</a:t>
-            </a:r>
-            <a:endParaRPr lang="en-US" dirty="0"/>
+              <a:rPr lang="en-US" dirty="0" smtClean="0">
+                <a:solidFill>
+                  <a:srgbClr val="C00000"/>
+                </a:solidFill>
+                <a:latin typeface="Segoe Marker" pitchFamily="66" charset="0"/>
+              </a:rPr>
+              <a:t>Are you happy </a:t>
+            </a:r>
+            <a:r>
+              <a:rPr lang="en-US" dirty="0" smtClean="0">
+                <a:solidFill>
+                  <a:srgbClr val="C00000"/>
+                </a:solidFill>
+                <a:latin typeface="Segoe Marker" pitchFamily="66" charset="0"/>
+              </a:rPr>
+              <a:t>being yourself?</a:t>
+            </a:r>
+            <a:endParaRPr lang="en-US" dirty="0">
+              <a:solidFill>
+                <a:srgbClr val="C00000"/>
+              </a:solidFill>
+              <a:latin typeface="Segoe Marker" pitchFamily="66" charset="0"/>
+            </a:endParaRPr>
           </a:p>
         </p:txBody>
       </p:sp>
       <p:pic>
         <p:nvPicPr>
-          <p:cNvPr id="6" name="Content Placeholder 5" descr="individual_2.jpg"/>
+          <p:cNvPr id="6" name="Content Placeholder 5" descr="individual_8.jpg"/>
           <p:cNvPicPr>
             <a:picLocks noGrp="1"/>
           </p:cNvPicPr>
@@ -3442,7 +3618,7 @@
         <p:spPr>
           <a:xfrm>
             <a:off x="502920" y="1600200"/>
-            <a:ext cx="8138160" cy="4526280"/>
+            <a:ext cx="8183880" cy="4526280"/>
           </a:xfrm>
         </p:spPr>
       </p:pic>
@@ -3487,16 +3663,44 @@
           <a:lstStyle/>
           <a:p>
             <a:r>
-              <a:rPr lang="en-US" dirty="0" smtClean="0"/>
-              <a:t>Or you are the top..</a:t>
-            </a:r>
-            <a:endParaRPr lang="en-US" dirty="0"/>
+              <a:rPr lang="en-US" dirty="0" smtClean="0">
+                <a:solidFill>
+                  <a:srgbClr val="C00000"/>
+                </a:solidFill>
+                <a:latin typeface="Segoe Marker" pitchFamily="66" charset="0"/>
+              </a:rPr>
+              <a:t>Or </a:t>
+            </a:r>
+            <a:r>
+              <a:rPr lang="en-US" dirty="0" smtClean="0">
+                <a:solidFill>
+                  <a:srgbClr val="C00000"/>
+                </a:solidFill>
+                <a:latin typeface="Segoe Marker" pitchFamily="66" charset="0"/>
+              </a:rPr>
+              <a:t>you still run for something</a:t>
+            </a:r>
+            <a:r>
+              <a:rPr lang="en-US" dirty="0" smtClean="0">
+                <a:solidFill>
+                  <a:srgbClr val="C00000"/>
+                </a:solidFill>
+                <a:latin typeface="Segoe Marker" pitchFamily="66" charset="0"/>
+              </a:rPr>
+              <a:t>..</a:t>
+            </a:r>
+            <a:endParaRPr lang="en-US" dirty="0">
+              <a:solidFill>
+                <a:srgbClr val="C00000"/>
+              </a:solidFill>
+              <a:latin typeface="Segoe Marker" pitchFamily="66" charset="0"/>
+            </a:endParaRPr>
           </a:p>
         </p:txBody>
       </p:sp>
       <p:pic>
         <p:nvPicPr>
-          <p:cNvPr id="7" name="Content Placeholder 6" descr="individual_5.jpg"/>
+          <p:cNvPr id="6" name="Content Placeholder 5" descr="individual_3.jpg"/>
           <p:cNvPicPr>
             <a:picLocks noGrp="1"/>
           </p:cNvPicPr>
@@ -3558,16 +3762,35 @@
           <a:lstStyle/>
           <a:p>
             <a:r>
-              <a:rPr lang="en-US" dirty="0" smtClean="0"/>
-              <a:t>How to happy being yourself?</a:t>
-            </a:r>
-            <a:endParaRPr lang="en-US" dirty="0"/>
+              <a:rPr lang="en-US" dirty="0" smtClean="0">
+                <a:solidFill>
+                  <a:srgbClr val="C00000"/>
+                </a:solidFill>
+                <a:latin typeface="Segoe Marker" pitchFamily="66" charset="0"/>
+              </a:rPr>
+              <a:t>Are you in </a:t>
+            </a:r>
+            <a:r>
+              <a:rPr lang="en-US" dirty="0" smtClean="0">
+                <a:solidFill>
+                  <a:srgbClr val="C00000"/>
+                </a:solidFill>
+                <a:latin typeface="Segoe Marker" pitchFamily="66" charset="0"/>
+              </a:rPr>
+              <a:t>the right direction?</a:t>
+            </a:r>
+            <a:endParaRPr lang="en-US" dirty="0">
+              <a:solidFill>
+                <a:srgbClr val="C00000"/>
+              </a:solidFill>
+              <a:latin typeface="Segoe Marker" pitchFamily="66" charset="0"/>
+            </a:endParaRPr>
           </a:p>
         </p:txBody>
       </p:sp>
       <p:pic>
         <p:nvPicPr>
-          <p:cNvPr id="6" name="Content Placeholder 5" descr="individual_8.jpg"/>
+          <p:cNvPr id="6" name="Content Placeholder 5" descr="ideas2.jpg"/>
           <p:cNvPicPr>
             <a:picLocks noGrp="1"/>
           </p:cNvPicPr>
@@ -3584,7 +3807,7 @@
         <p:spPr>
           <a:xfrm>
             <a:off x="502920" y="1600200"/>
-            <a:ext cx="8183880" cy="4526280"/>
+            <a:ext cx="8138160" cy="4526280"/>
           </a:xfrm>
         </p:spPr>
       </p:pic>
@@ -3629,10 +3852,47 @@
           <a:lstStyle/>
           <a:p>
             <a:r>
-              <a:rPr lang="en-US" dirty="0" smtClean="0"/>
-              <a:t>Which Way?</a:t>
-            </a:r>
-            <a:endParaRPr lang="en-US" dirty="0"/>
+              <a:rPr lang="en-US" dirty="0" smtClean="0">
+                <a:solidFill>
+                  <a:srgbClr val="C00000"/>
+                </a:solidFill>
+                <a:latin typeface="Segoe Marker" pitchFamily="66" charset="0"/>
+              </a:rPr>
+              <a:t>Or still thinking</a:t>
+            </a:r>
+            <a:r>
+              <a:rPr lang="en-US" dirty="0" smtClean="0">
+                <a:solidFill>
+                  <a:srgbClr val="C00000"/>
+                </a:solidFill>
+                <a:latin typeface="Segoe Marker" pitchFamily="66" charset="0"/>
+              </a:rPr>
+              <a:t>: </a:t>
+            </a:r>
+            <a:r>
+              <a:rPr lang="en-US" dirty="0" smtClean="0">
+                <a:solidFill>
+                  <a:srgbClr val="C00000"/>
+                </a:solidFill>
+                <a:latin typeface="Segoe Marker" pitchFamily="66" charset="0"/>
+              </a:rPr>
+              <a:t>Which </a:t>
+            </a:r>
+            <a:r>
+              <a:rPr lang="en-US" dirty="0" smtClean="0">
+                <a:solidFill>
+                  <a:srgbClr val="C00000"/>
+                </a:solidFill>
+                <a:latin typeface="Segoe Marker" pitchFamily="66" charset="0"/>
+              </a:rPr>
+              <a:t>Way?</a:t>
+            </a:r>
+            <a:endParaRPr lang="en-US" dirty="0">
+              <a:solidFill>
+                <a:srgbClr val="C00000"/>
+              </a:solidFill>
+              <a:latin typeface="Segoe Marker" pitchFamily="66" charset="0"/>
+            </a:endParaRPr>
           </a:p>
         </p:txBody>
       </p:sp>
@@ -3700,16 +3960,26 @@
           <a:lstStyle/>
           <a:p>
             <a:r>
-              <a:rPr lang="en-US" dirty="0" smtClean="0"/>
-              <a:t>Am I in the right direction?</a:t>
-            </a:r>
-            <a:endParaRPr lang="en-US" dirty="0"/>
+              <a:rPr lang="en-US" dirty="0" smtClean="0">
+                <a:solidFill>
+                  <a:srgbClr val="C00000"/>
+                </a:solidFill>
+                <a:latin typeface="Segoe Marker" pitchFamily="66" charset="0"/>
+              </a:rPr>
+              <a:t>Why not mapping..</a:t>
+            </a:r>
+            <a:endParaRPr lang="en-US" dirty="0">
+              <a:solidFill>
+                <a:srgbClr val="C00000"/>
+              </a:solidFill>
+              <a:latin typeface="Segoe Marker" pitchFamily="66" charset="0"/>
+            </a:endParaRPr>
           </a:p>
         </p:txBody>
       </p:sp>
       <p:pic>
         <p:nvPicPr>
-          <p:cNvPr id="6" name="Content Placeholder 5" descr="ideas2.jpg"/>
+          <p:cNvPr id="6" name="Content Placeholder 5" descr="individual_7.jpg"/>
           <p:cNvPicPr>
             <a:picLocks noGrp="1"/>
           </p:cNvPicPr>
@@ -3771,16 +4041,26 @@
           <a:lstStyle/>
           <a:p>
             <a:r>
-              <a:rPr lang="en-US" dirty="0" smtClean="0"/>
-              <a:t>Why not mapping..</a:t>
-            </a:r>
-            <a:endParaRPr lang="en-US" dirty="0"/>
+              <a:rPr lang="en-US" dirty="0" smtClean="0">
+                <a:solidFill>
+                  <a:srgbClr val="C00000"/>
+                </a:solidFill>
+                <a:latin typeface="Segoe Marker" pitchFamily="66" charset="0"/>
+              </a:rPr>
+              <a:t>So from where are you now..</a:t>
+            </a:r>
+            <a:endParaRPr lang="en-US" dirty="0">
+              <a:solidFill>
+                <a:srgbClr val="C00000"/>
+              </a:solidFill>
+              <a:latin typeface="Segoe Marker" pitchFamily="66" charset="0"/>
+            </a:endParaRPr>
           </a:p>
         </p:txBody>
       </p:sp>
       <p:pic>
         <p:nvPicPr>
-          <p:cNvPr id="6" name="Content Placeholder 5" descr="individual_7.jpg"/>
+          <p:cNvPr id="6" name="Content Placeholder 5" descr="individual_9.jpg"/>
           <p:cNvPicPr>
             <a:picLocks noGrp="1"/>
           </p:cNvPicPr>
@@ -3797,7 +4077,7 @@
         <p:spPr>
           <a:xfrm>
             <a:off x="502920" y="1600200"/>
-            <a:ext cx="8138160" cy="4526280"/>
+            <a:ext cx="8138160" cy="4525963"/>
           </a:xfrm>
         </p:spPr>
       </p:pic>
